--- a/slides/archive/2025_03_17_genscale_first_presentation.pptx
+++ b/slides/archive/2025_03_17_genscale_first_presentation.pptx
@@ -297,7 +297,7 @@
           <a:p>
             <a:fld id="{FF462FCB-4E82-244A-8604-DBE5753E9367}" type="datetimeFigureOut">
               <a:rPr lang="en-FR" smtClean="0"/>
-              <a:t>18/03/2025</a:t>
+              <a:t>23/06/2025</a:t>
             </a:fld>
             <a:endParaRPr lang="en-FR"/>
           </a:p>
@@ -2472,7 +2472,7 @@
           <a:p>
             <a:fld id="{FB37A0A7-98B0-7B43-A76A-039A86DACCF8}" type="datetime1">
               <a:rPr lang="fr-FR" smtClean="0"/>
-              <a:t>18/03/2025</a:t>
+              <a:t>23/06/2025</a:t>
             </a:fld>
             <a:endParaRPr lang="en-FR"/>
           </a:p>
@@ -2688,7 +2688,7 @@
           <a:p>
             <a:fld id="{1B7EA9D0-A84A-0B48-9D25-C382A13B2298}" type="datetime1">
               <a:rPr lang="fr-FR" smtClean="0"/>
-              <a:t>18/03/2025</a:t>
+              <a:t>23/06/2025</a:t>
             </a:fld>
             <a:endParaRPr lang="en-FR"/>
           </a:p>
@@ -2898,7 +2898,7 @@
           <a:p>
             <a:fld id="{3F3B9188-7214-C845-AE16-A7E84B49F072}" type="datetime1">
               <a:rPr lang="fr-FR" smtClean="0"/>
-              <a:t>18/03/2025</a:t>
+              <a:t>23/06/2025</a:t>
             </a:fld>
             <a:endParaRPr lang="en-FR"/>
           </a:p>
@@ -3098,7 +3098,7 @@
           <a:p>
             <a:fld id="{B965CC8F-7F4B-1C4F-9680-A57448D58B7A}" type="datetime1">
               <a:rPr lang="fr-FR" smtClean="0"/>
-              <a:t>18/03/2025</a:t>
+              <a:t>23/06/2025</a:t>
             </a:fld>
             <a:endParaRPr lang="en-FR"/>
           </a:p>
@@ -3374,7 +3374,7 @@
           <a:p>
             <a:fld id="{618477F5-F867-9A49-BFB3-CB7A9A8F2DE9}" type="datetime1">
               <a:rPr lang="fr-FR" smtClean="0"/>
-              <a:t>18/03/2025</a:t>
+              <a:t>23/06/2025</a:t>
             </a:fld>
             <a:endParaRPr lang="en-FR"/>
           </a:p>
@@ -3642,7 +3642,7 @@
           <a:p>
             <a:fld id="{56DB746C-F0E9-BA40-AAF8-A000CA38AEAA}" type="datetime1">
               <a:rPr lang="fr-FR" smtClean="0"/>
-              <a:t>18/03/2025</a:t>
+              <a:t>23/06/2025</a:t>
             </a:fld>
             <a:endParaRPr lang="en-FR"/>
           </a:p>
@@ -4057,7 +4057,7 @@
           <a:p>
             <a:fld id="{FBEABF7A-BACF-754F-A954-31F89B6A2934}" type="datetime1">
               <a:rPr lang="fr-FR" smtClean="0"/>
-              <a:t>18/03/2025</a:t>
+              <a:t>23/06/2025</a:t>
             </a:fld>
             <a:endParaRPr lang="en-FR"/>
           </a:p>
@@ -4199,7 +4199,7 @@
           <a:p>
             <a:fld id="{5DFDA926-EE3D-CD4E-AB4D-2C2D2340CE46}" type="datetime1">
               <a:rPr lang="fr-FR" smtClean="0"/>
-              <a:t>18/03/2025</a:t>
+              <a:t>23/06/2025</a:t>
             </a:fld>
             <a:endParaRPr lang="en-FR"/>
           </a:p>
@@ -4312,7 +4312,7 @@
           <a:p>
             <a:fld id="{A48E899B-7420-9244-BCE2-E2BEFB45547A}" type="datetime1">
               <a:rPr lang="fr-FR" smtClean="0"/>
-              <a:t>18/03/2025</a:t>
+              <a:t>23/06/2025</a:t>
             </a:fld>
             <a:endParaRPr lang="en-FR"/>
           </a:p>
@@ -4625,7 +4625,7 @@
           <a:p>
             <a:fld id="{49873A6B-3B60-1E49-A32E-3D4EC9C5F57F}" type="datetime1">
               <a:rPr lang="fr-FR" smtClean="0"/>
-              <a:t>18/03/2025</a:t>
+              <a:t>23/06/2025</a:t>
             </a:fld>
             <a:endParaRPr lang="en-FR"/>
           </a:p>
@@ -4914,7 +4914,7 @@
           <a:p>
             <a:fld id="{5B8B0EC9-00C0-AD47-8D54-B6493B5EDB22}" type="datetime1">
               <a:rPr lang="fr-FR" smtClean="0"/>
-              <a:t>18/03/2025</a:t>
+              <a:t>23/06/2025</a:t>
             </a:fld>
             <a:endParaRPr lang="en-FR"/>
           </a:p>
@@ -5157,7 +5157,7 @@
           <a:p>
             <a:fld id="{39E8FB15-9EE3-D448-9C3C-4149DC7DBA1E}" type="datetime1">
               <a:rPr lang="fr-FR" smtClean="0"/>
-              <a:t>18/03/2025</a:t>
+              <a:t>23/06/2025</a:t>
             </a:fld>
             <a:endParaRPr lang="en-FR"/>
           </a:p>
@@ -33320,7 +33320,7 @@
         </p:nvSpPr>
         <p:spPr>
           <a:xfrm>
-            <a:off x="7807629" y="2906591"/>
+            <a:off x="8617875" y="4314240"/>
             <a:ext cx="3709639" cy="1673690"/>
           </a:xfrm>
           <a:prstGeom prst="rect">
